--- a/수업자료/JAVA/네트워크통신.pptx
+++ b/수업자료/JAVA/네트워크통신.pptx
@@ -5,7 +5,7 @@
     <p:sldMasterId id="2147483648" r:id="rId1"/>
   </p:sldMasterIdLst>
   <p:notesMasterIdLst>
-    <p:notesMasterId r:id="rId16"/>
+    <p:notesMasterId r:id="rId14"/>
   </p:notesMasterIdLst>
   <p:sldIdLst>
     <p:sldId id="259" r:id="rId2"/>
@@ -17,11 +17,9 @@
     <p:sldId id="267" r:id="rId8"/>
     <p:sldId id="275" r:id="rId9"/>
     <p:sldId id="268" r:id="rId10"/>
-    <p:sldId id="276" r:id="rId11"/>
-    <p:sldId id="269" r:id="rId12"/>
-    <p:sldId id="277" r:id="rId13"/>
-    <p:sldId id="272" r:id="rId14"/>
-    <p:sldId id="257" r:id="rId15"/>
+    <p:sldId id="269" r:id="rId11"/>
+    <p:sldId id="272" r:id="rId12"/>
+    <p:sldId id="257" r:id="rId13"/>
   </p:sldIdLst>
   <p:sldSz cx="9144000" cy="6858000" type="screen4x3"/>
   <p:notesSz cx="6858000" cy="9144000"/>
@@ -120,6 +118,22 @@
       </a:defRPr>
     </a:lvl9pPr>
   </p:defaultTextStyle>
+  <p:extLst>
+    <p:ext uri="{EFAFB233-063F-42B5-8137-9DF3F51BA10A}">
+      <p15:sldGuideLst xmlns:p15="http://schemas.microsoft.com/office/powerpoint/2012/main">
+        <p15:guide id="1" orient="horz" pos="2160">
+          <p15:clr>
+            <a:srgbClr val="A4A3A4"/>
+          </p15:clr>
+        </p15:guide>
+        <p15:guide id="2" pos="2880">
+          <p15:clr>
+            <a:srgbClr val="A4A3A4"/>
+          </p15:clr>
+        </p15:guide>
+      </p15:sldGuideLst>
+    </p:ext>
+  </p:extLst>
 </p:presentation>
 </file>
 
@@ -205,7 +219,7 @@
           <a:p>
             <a:fld id="{013C39C2-6194-493D-A9B5-E126FE573E0C}" type="datetimeFigureOut">
               <a:rPr lang="ko-KR" altLang="en-US" smtClean="0"/>
-              <a:t>2021-05-05</a:t>
+              <a:t>2021-06-10</a:t>
             </a:fld>
             <a:endParaRPr lang="ko-KR" altLang="en-US"/>
           </a:p>
@@ -830,7 +844,7 @@
           <a:p>
             <a:fld id="{088F1E0D-909D-4847-B839-B9D6B4F0AC1D}" type="datetimeFigureOut">
               <a:rPr lang="ko-KR" altLang="en-US" smtClean="0"/>
-              <a:t>2021-05-05</a:t>
+              <a:t>2021-06-10</a:t>
             </a:fld>
             <a:endParaRPr lang="ko-KR" altLang="en-US"/>
           </a:p>
@@ -1000,7 +1014,7 @@
           <a:p>
             <a:fld id="{088F1E0D-909D-4847-B839-B9D6B4F0AC1D}" type="datetimeFigureOut">
               <a:rPr lang="ko-KR" altLang="en-US" smtClean="0"/>
-              <a:t>2021-05-05</a:t>
+              <a:t>2021-06-10</a:t>
             </a:fld>
             <a:endParaRPr lang="ko-KR" altLang="en-US"/>
           </a:p>
@@ -1180,7 +1194,7 @@
           <a:p>
             <a:fld id="{088F1E0D-909D-4847-B839-B9D6B4F0AC1D}" type="datetimeFigureOut">
               <a:rPr lang="ko-KR" altLang="en-US" smtClean="0"/>
-              <a:t>2021-05-05</a:t>
+              <a:t>2021-06-10</a:t>
             </a:fld>
             <a:endParaRPr lang="ko-KR" altLang="en-US"/>
           </a:p>
@@ -1350,7 +1364,7 @@
           <a:p>
             <a:fld id="{088F1E0D-909D-4847-B839-B9D6B4F0AC1D}" type="datetimeFigureOut">
               <a:rPr lang="ko-KR" altLang="en-US" smtClean="0"/>
-              <a:t>2021-05-05</a:t>
+              <a:t>2021-06-10</a:t>
             </a:fld>
             <a:endParaRPr lang="ko-KR" altLang="en-US"/>
           </a:p>
@@ -1596,7 +1610,7 @@
           <a:p>
             <a:fld id="{088F1E0D-909D-4847-B839-B9D6B4F0AC1D}" type="datetimeFigureOut">
               <a:rPr lang="ko-KR" altLang="en-US" smtClean="0"/>
-              <a:t>2021-05-05</a:t>
+              <a:t>2021-06-10</a:t>
             </a:fld>
             <a:endParaRPr lang="ko-KR" altLang="en-US"/>
           </a:p>
@@ -1884,7 +1898,7 @@
           <a:p>
             <a:fld id="{088F1E0D-909D-4847-B839-B9D6B4F0AC1D}" type="datetimeFigureOut">
               <a:rPr lang="ko-KR" altLang="en-US" smtClean="0"/>
-              <a:t>2021-05-05</a:t>
+              <a:t>2021-06-10</a:t>
             </a:fld>
             <a:endParaRPr lang="ko-KR" altLang="en-US"/>
           </a:p>
@@ -2306,7 +2320,7 @@
           <a:p>
             <a:fld id="{088F1E0D-909D-4847-B839-B9D6B4F0AC1D}" type="datetimeFigureOut">
               <a:rPr lang="ko-KR" altLang="en-US" smtClean="0"/>
-              <a:t>2021-05-05</a:t>
+              <a:t>2021-06-10</a:t>
             </a:fld>
             <a:endParaRPr lang="ko-KR" altLang="en-US"/>
           </a:p>
@@ -2424,7 +2438,7 @@
           <a:p>
             <a:fld id="{088F1E0D-909D-4847-B839-B9D6B4F0AC1D}" type="datetimeFigureOut">
               <a:rPr lang="ko-KR" altLang="en-US" smtClean="0"/>
-              <a:t>2021-05-05</a:t>
+              <a:t>2021-06-10</a:t>
             </a:fld>
             <a:endParaRPr lang="ko-KR" altLang="en-US"/>
           </a:p>
@@ -2519,7 +2533,7 @@
           <a:p>
             <a:fld id="{088F1E0D-909D-4847-B839-B9D6B4F0AC1D}" type="datetimeFigureOut">
               <a:rPr lang="ko-KR" altLang="en-US" smtClean="0"/>
-              <a:t>2021-05-05</a:t>
+              <a:t>2021-06-10</a:t>
             </a:fld>
             <a:endParaRPr lang="ko-KR" altLang="en-US"/>
           </a:p>
@@ -2796,7 +2810,7 @@
           <a:p>
             <a:fld id="{088F1E0D-909D-4847-B839-B9D6B4F0AC1D}" type="datetimeFigureOut">
               <a:rPr lang="ko-KR" altLang="en-US" smtClean="0"/>
-              <a:t>2021-05-05</a:t>
+              <a:t>2021-06-10</a:t>
             </a:fld>
             <a:endParaRPr lang="ko-KR" altLang="en-US"/>
           </a:p>
@@ -3049,7 +3063,7 @@
           <a:p>
             <a:fld id="{088F1E0D-909D-4847-B839-B9D6B4F0AC1D}" type="datetimeFigureOut">
               <a:rPr lang="ko-KR" altLang="en-US" smtClean="0"/>
-              <a:t>2021-05-05</a:t>
+              <a:t>2021-06-10</a:t>
             </a:fld>
             <a:endParaRPr lang="ko-KR" altLang="en-US"/>
           </a:p>
@@ -3262,7 +3276,7 @@
           <a:p>
             <a:fld id="{088F1E0D-909D-4847-B839-B9D6B4F0AC1D}" type="datetimeFigureOut">
               <a:rPr lang="ko-KR" altLang="en-US" smtClean="0"/>
-              <a:t>2021-05-05</a:t>
+              <a:t>2021-06-10</a:t>
             </a:fld>
             <a:endParaRPr lang="ko-KR" altLang="en-US"/>
           </a:p>
@@ -4228,433 +4242,6 @@
       </p:grpSpPr>
       <p:sp>
         <p:nvSpPr>
-          <p:cNvPr id="10" name="TextBox 9"/>
-          <p:cNvSpPr txBox="1"/>
-          <p:nvPr/>
-        </p:nvSpPr>
-        <p:spPr>
-          <a:xfrm>
-            <a:off x="201767" y="1352962"/>
-            <a:ext cx="8618705" cy="400110"/>
-          </a:xfrm>
-          <a:prstGeom prst="rect">
-            <a:avLst/>
-          </a:prstGeom>
-          <a:noFill/>
-        </p:spPr>
-        <p:txBody>
-          <a:bodyPr wrap="square" rtlCol="0">
-            <a:spAutoFit/>
-          </a:bodyPr>
-          <a:lstStyle/>
-          <a:p>
-            <a:r>
-              <a:rPr lang="en-US" altLang="ko-KR" sz="2000" b="1" dirty="0" smtClean="0"/>
-              <a:t>Ex) </a:t>
-            </a:r>
-            <a:r>
-              <a:rPr lang="ko-KR" altLang="en-US" sz="2000" b="1" dirty="0" smtClean="0"/>
-              <a:t>네트워크 </a:t>
-            </a:r>
-            <a:r>
-              <a:rPr lang="en-US" altLang="ko-KR" sz="2000" b="1" dirty="0" smtClean="0"/>
-              <a:t>A -&gt; </a:t>
-            </a:r>
-            <a:r>
-              <a:rPr lang="ko-KR" altLang="en-US" sz="2000" dirty="0" err="1" smtClean="0"/>
-              <a:t>라우터</a:t>
-            </a:r>
-            <a:r>
-              <a:rPr lang="en-US" altLang="ko-KR" sz="2000" dirty="0" smtClean="0"/>
-              <a:t>4</a:t>
-            </a:r>
-            <a:r>
-              <a:rPr lang="en-US" altLang="ko-KR" sz="2000" b="1" dirty="0" smtClean="0"/>
-              <a:t> -&gt; </a:t>
-            </a:r>
-            <a:r>
-              <a:rPr lang="ko-KR" altLang="en-US" sz="2000" dirty="0" err="1" smtClean="0"/>
-              <a:t>라우터</a:t>
-            </a:r>
-            <a:r>
-              <a:rPr lang="en-US" altLang="ko-KR" sz="2000" dirty="0" smtClean="0"/>
-              <a:t>3</a:t>
-            </a:r>
-            <a:r>
-              <a:rPr lang="en-US" altLang="ko-KR" sz="2000" b="1" dirty="0" smtClean="0"/>
-              <a:t> -&gt; </a:t>
-            </a:r>
-            <a:r>
-              <a:rPr lang="ko-KR" altLang="en-US" sz="2000" b="1" dirty="0" smtClean="0"/>
-              <a:t>네트워크 </a:t>
-            </a:r>
-            <a:r>
-              <a:rPr lang="en-US" altLang="ko-KR" sz="2000" b="1" dirty="0" smtClean="0"/>
-              <a:t>C</a:t>
-            </a:r>
-            <a:endParaRPr lang="ko-KR" altLang="en-US" sz="2000" b="1" dirty="0"/>
-          </a:p>
-        </p:txBody>
-      </p:sp>
-      <p:sp>
-        <p:nvSpPr>
-          <p:cNvPr id="11" name="TextBox 10"/>
-          <p:cNvSpPr txBox="1"/>
-          <p:nvPr/>
-        </p:nvSpPr>
-        <p:spPr>
-          <a:xfrm>
-            <a:off x="141002" y="260648"/>
-            <a:ext cx="8895493" cy="646331"/>
-          </a:xfrm>
-          <a:prstGeom prst="rect">
-            <a:avLst/>
-          </a:prstGeom>
-          <a:noFill/>
-        </p:spPr>
-        <p:txBody>
-          <a:bodyPr wrap="square" rtlCol="0">
-            <a:spAutoFit/>
-          </a:bodyPr>
-          <a:lstStyle/>
-          <a:p>
-            <a:r>
-              <a:rPr lang="ko-KR" altLang="en-US" b="1" dirty="0" err="1" smtClean="0"/>
-              <a:t>라우터</a:t>
-            </a:r>
-            <a:r>
-              <a:rPr lang="ko-KR" altLang="en-US" dirty="0" smtClean="0"/>
-              <a:t> </a:t>
-            </a:r>
-            <a:r>
-              <a:rPr lang="en-US" altLang="ko-KR" dirty="0" smtClean="0"/>
-              <a:t>: </a:t>
-            </a:r>
-            <a:r>
-              <a:rPr lang="ko-KR" altLang="en-US" dirty="0" smtClean="0"/>
-              <a:t>다른 네트워크로 연결 해준다</a:t>
-            </a:r>
-            <a:r>
-              <a:rPr lang="en-US" altLang="ko-KR" dirty="0" smtClean="0"/>
-              <a:t>.</a:t>
-            </a:r>
-          </a:p>
-          <a:p>
-            <a:r>
-              <a:rPr lang="en-US" altLang="ko-KR" dirty="0" smtClean="0"/>
-              <a:t>          </a:t>
-            </a:r>
-            <a:r>
-              <a:rPr lang="ko-KR" altLang="en-US" dirty="0" smtClean="0"/>
-              <a:t>여러 </a:t>
-            </a:r>
-            <a:r>
-              <a:rPr lang="ko-KR" altLang="en-US" dirty="0" err="1" smtClean="0"/>
-              <a:t>라우터를</a:t>
-            </a:r>
-            <a:r>
-              <a:rPr lang="ko-KR" altLang="en-US" dirty="0" smtClean="0"/>
-              <a:t> 거쳐야 하는 경우 최상의 경로를 계산한다</a:t>
-            </a:r>
-            <a:r>
-              <a:rPr lang="en-US" altLang="ko-KR" dirty="0" smtClean="0"/>
-              <a:t>.</a:t>
-            </a:r>
-            <a:endParaRPr lang="ko-KR" altLang="en-US" dirty="0"/>
-          </a:p>
-        </p:txBody>
-      </p:sp>
-      <p:sp>
-        <p:nvSpPr>
-          <p:cNvPr id="12" name="TextBox 11"/>
-          <p:cNvSpPr txBox="1"/>
-          <p:nvPr/>
-        </p:nvSpPr>
-        <p:spPr>
-          <a:xfrm>
-            <a:off x="201767" y="2420888"/>
-            <a:ext cx="8476563" cy="646331"/>
-          </a:xfrm>
-          <a:prstGeom prst="rect">
-            <a:avLst/>
-          </a:prstGeom>
-          <a:noFill/>
-        </p:spPr>
-        <p:txBody>
-          <a:bodyPr wrap="square" rtlCol="0">
-            <a:spAutoFit/>
-          </a:bodyPr>
-          <a:lstStyle/>
-          <a:p>
-            <a:r>
-              <a:rPr lang="ko-KR" altLang="en-US" b="1" dirty="0" smtClean="0"/>
-              <a:t>허브</a:t>
-            </a:r>
-            <a:r>
-              <a:rPr lang="en-US" altLang="ko-KR" dirty="0"/>
-              <a:t> </a:t>
-            </a:r>
-            <a:r>
-              <a:rPr lang="en-US" altLang="ko-KR" dirty="0" smtClean="0"/>
-              <a:t>: </a:t>
-            </a:r>
-            <a:r>
-              <a:rPr lang="ko-KR" altLang="en-US" dirty="0" smtClean="0"/>
-              <a:t> 전송된 </a:t>
-            </a:r>
-            <a:r>
-              <a:rPr lang="ko-KR" altLang="en-US" dirty="0" err="1" smtClean="0"/>
-              <a:t>데이터을</a:t>
-            </a:r>
-            <a:r>
-              <a:rPr lang="ko-KR" altLang="en-US" dirty="0" smtClean="0"/>
-              <a:t> 모든 장비에 전달한다</a:t>
-            </a:r>
-            <a:r>
-              <a:rPr lang="en-US" altLang="ko-KR" dirty="0" smtClean="0"/>
-              <a:t>.</a:t>
-            </a:r>
-          </a:p>
-          <a:p>
-            <a:r>
-              <a:rPr lang="en-US" altLang="ko-KR" dirty="0" smtClean="0"/>
-              <a:t>         (</a:t>
-            </a:r>
-            <a:r>
-              <a:rPr lang="ko-KR" altLang="en-US" dirty="0" err="1" smtClean="0"/>
-              <a:t>브로드캐스팅</a:t>
-            </a:r>
-            <a:r>
-              <a:rPr lang="en-US" altLang="ko-KR" dirty="0" smtClean="0"/>
-              <a:t>)</a:t>
-            </a:r>
-            <a:endParaRPr lang="ko-KR" altLang="en-US" dirty="0"/>
-          </a:p>
-        </p:txBody>
-      </p:sp>
-      <p:sp>
-        <p:nvSpPr>
-          <p:cNvPr id="13" name="TextBox 12"/>
-          <p:cNvSpPr txBox="1"/>
-          <p:nvPr/>
-        </p:nvSpPr>
-        <p:spPr>
-          <a:xfrm>
-            <a:off x="201767" y="3294566"/>
-            <a:ext cx="8595952" cy="646331"/>
-          </a:xfrm>
-          <a:prstGeom prst="rect">
-            <a:avLst/>
-          </a:prstGeom>
-          <a:noFill/>
-        </p:spPr>
-        <p:txBody>
-          <a:bodyPr wrap="square" rtlCol="0">
-            <a:spAutoFit/>
-          </a:bodyPr>
-          <a:lstStyle/>
-          <a:p>
-            <a:r>
-              <a:rPr lang="ko-KR" altLang="en-US" b="1" dirty="0" smtClean="0"/>
-              <a:t>스위치</a:t>
-            </a:r>
-            <a:r>
-              <a:rPr lang="en-US" altLang="ko-KR" dirty="0" smtClean="0"/>
-              <a:t>:  Mac</a:t>
-            </a:r>
-            <a:r>
-              <a:rPr lang="ko-KR" altLang="en-US" dirty="0" smtClean="0"/>
-              <a:t>주소와 포트를 </a:t>
-            </a:r>
-            <a:r>
-              <a:rPr lang="en-US" altLang="ko-KR" dirty="0" smtClean="0"/>
-              <a:t>Mac</a:t>
-            </a:r>
-            <a:r>
-              <a:rPr lang="ko-KR" altLang="en-US" dirty="0" smtClean="0"/>
-              <a:t>주소 테이블에 기록하고 있다</a:t>
-            </a:r>
-            <a:r>
-              <a:rPr lang="en-US" altLang="ko-KR" dirty="0" smtClean="0"/>
-              <a:t>.</a:t>
-            </a:r>
-          </a:p>
-          <a:p>
-            <a:r>
-              <a:rPr lang="en-US" altLang="ko-KR" dirty="0"/>
-              <a:t> </a:t>
-            </a:r>
-            <a:r>
-              <a:rPr lang="en-US" altLang="ko-KR" dirty="0" smtClean="0"/>
-              <a:t>       </a:t>
-            </a:r>
-            <a:r>
-              <a:rPr lang="ko-KR" altLang="en-US" dirty="0" smtClean="0"/>
-              <a:t>전송된 데이터가 가고자 하는 </a:t>
-            </a:r>
-            <a:r>
-              <a:rPr lang="en-US" altLang="ko-KR" dirty="0" smtClean="0"/>
-              <a:t>Mac</a:t>
-            </a:r>
-            <a:r>
-              <a:rPr lang="ko-KR" altLang="en-US" dirty="0" smtClean="0"/>
-              <a:t>주소와 포트로 보낸다</a:t>
-            </a:r>
-            <a:r>
-              <a:rPr lang="en-US" altLang="ko-KR" dirty="0" smtClean="0"/>
-              <a:t>.</a:t>
-            </a:r>
-            <a:endParaRPr lang="ko-KR" altLang="en-US" dirty="0"/>
-          </a:p>
-        </p:txBody>
-      </p:sp>
-      <p:sp>
-        <p:nvSpPr>
-          <p:cNvPr id="14" name="TextBox 13"/>
-          <p:cNvSpPr txBox="1"/>
-          <p:nvPr/>
-        </p:nvSpPr>
-        <p:spPr>
-          <a:xfrm>
-            <a:off x="971600" y="4633391"/>
-            <a:ext cx="7640846" cy="307777"/>
-          </a:xfrm>
-          <a:prstGeom prst="rect">
-            <a:avLst/>
-          </a:prstGeom>
-          <a:noFill/>
-        </p:spPr>
-        <p:txBody>
-          <a:bodyPr wrap="square" rtlCol="0">
-            <a:spAutoFit/>
-          </a:bodyPr>
-          <a:lstStyle/>
-          <a:p>
-            <a:r>
-              <a:rPr lang="en-US" altLang="ko-KR" sz="1400" dirty="0" smtClean="0">
-                <a:solidFill>
-                  <a:srgbClr val="FF0000"/>
-                </a:solidFill>
-              </a:rPr>
-              <a:t>* Mac</a:t>
-            </a:r>
-            <a:r>
-              <a:rPr lang="ko-KR" altLang="en-US" sz="1400" dirty="0" smtClean="0">
-                <a:solidFill>
-                  <a:srgbClr val="FF0000"/>
-                </a:solidFill>
-              </a:rPr>
-              <a:t>주소</a:t>
-            </a:r>
-            <a:r>
-              <a:rPr lang="en-US" altLang="ko-KR" sz="1400" dirty="0" smtClean="0">
-                <a:solidFill>
-                  <a:srgbClr val="FF0000"/>
-                </a:solidFill>
-              </a:rPr>
-              <a:t>: </a:t>
-            </a:r>
-            <a:r>
-              <a:rPr lang="ko-KR" altLang="en-US" sz="1400" dirty="0" smtClean="0">
-                <a:solidFill>
-                  <a:srgbClr val="FF0000"/>
-                </a:solidFill>
-              </a:rPr>
-              <a:t>컴퓨터가 가지고 있는 고유 번호</a:t>
-            </a:r>
-            <a:endParaRPr lang="ko-KR" altLang="en-US" sz="1400" dirty="0">
-              <a:solidFill>
-                <a:srgbClr val="FF0000"/>
-              </a:solidFill>
-            </a:endParaRPr>
-          </a:p>
-        </p:txBody>
-      </p:sp>
-      <p:sp>
-        <p:nvSpPr>
-          <p:cNvPr id="15" name="TextBox 14"/>
-          <p:cNvSpPr txBox="1"/>
-          <p:nvPr/>
-        </p:nvSpPr>
-        <p:spPr>
-          <a:xfrm>
-            <a:off x="449561" y="3956206"/>
-            <a:ext cx="8595952" cy="646331"/>
-          </a:xfrm>
-          <a:prstGeom prst="rect">
-            <a:avLst/>
-          </a:prstGeom>
-          <a:noFill/>
-        </p:spPr>
-        <p:txBody>
-          <a:bodyPr wrap="square" rtlCol="0">
-            <a:spAutoFit/>
-          </a:bodyPr>
-          <a:lstStyle/>
-          <a:p>
-            <a:r>
-              <a:rPr lang="en-US" altLang="ko-KR" dirty="0" smtClean="0"/>
-              <a:t>        Mac </a:t>
-            </a:r>
-            <a:r>
-              <a:rPr lang="ko-KR" altLang="en-US" dirty="0" smtClean="0"/>
-              <a:t>주소 테이블에 기록되어 있지 않은 주소로 </a:t>
-            </a:r>
-            <a:endParaRPr lang="en-US" altLang="ko-KR" dirty="0" smtClean="0"/>
-          </a:p>
-          <a:p>
-            <a:r>
-              <a:rPr lang="ko-KR" altLang="en-US" dirty="0" smtClean="0"/>
-              <a:t>      데이터가 가고자 할 경우 </a:t>
-            </a:r>
-            <a:r>
-              <a:rPr lang="ko-KR" altLang="en-US" dirty="0" err="1" smtClean="0"/>
-              <a:t>브로드캐스팅을</a:t>
-            </a:r>
-            <a:r>
-              <a:rPr lang="ko-KR" altLang="en-US" dirty="0" smtClean="0"/>
-              <a:t> 발생시킨다</a:t>
-            </a:r>
-            <a:r>
-              <a:rPr lang="en-US" altLang="ko-KR" dirty="0" smtClean="0"/>
-              <a:t>.</a:t>
-            </a:r>
-            <a:endParaRPr lang="ko-KR" altLang="en-US" dirty="0"/>
-          </a:p>
-        </p:txBody>
-      </p:sp>
-    </p:spTree>
-    <p:extLst>
-      <p:ext uri="{BB962C8B-B14F-4D97-AF65-F5344CB8AC3E}">
-        <p14:creationId xmlns:p14="http://schemas.microsoft.com/office/powerpoint/2010/main" val="1344786985"/>
-      </p:ext>
-    </p:extLst>
-  </p:cSld>
-  <p:clrMapOvr>
-    <a:masterClrMapping/>
-  </p:clrMapOvr>
-</p:sld>
-</file>
-
-<file path=ppt/slides/slide11.xml><?xml version="1.0" encoding="utf-8"?>
-<p:sld xmlns:a="http://schemas.openxmlformats.org/drawingml/2006/main" xmlns:r="http://schemas.openxmlformats.org/officeDocument/2006/relationships" xmlns:p="http://schemas.openxmlformats.org/presentationml/2006/main">
-  <p:cSld>
-    <p:spTree>
-      <p:nvGrpSpPr>
-        <p:cNvPr id="1" name=""/>
-        <p:cNvGrpSpPr/>
-        <p:nvPr/>
-      </p:nvGrpSpPr>
-      <p:grpSpPr>
-        <a:xfrm>
-          <a:off x="0" y="0"/>
-          <a:ext cx="0" cy="0"/>
-          <a:chOff x="0" y="0"/>
-          <a:chExt cx="0" cy="0"/>
-        </a:xfrm>
-      </p:grpSpPr>
-      <p:sp>
-        <p:nvSpPr>
           <p:cNvPr id="4" name="TextBox 3"/>
           <p:cNvSpPr txBox="1"/>
           <p:nvPr/>
@@ -4881,113 +4468,7 @@
 </p:sld>
 </file>
 
-<file path=ppt/slides/slide12.xml><?xml version="1.0" encoding="utf-8"?>
-<p:sld xmlns:a="http://schemas.openxmlformats.org/drawingml/2006/main" xmlns:r="http://schemas.openxmlformats.org/officeDocument/2006/relationships" xmlns:p="http://schemas.openxmlformats.org/presentationml/2006/main">
-  <p:cSld>
-    <p:spTree>
-      <p:nvGrpSpPr>
-        <p:cNvPr id="1" name=""/>
-        <p:cNvGrpSpPr/>
-        <p:nvPr/>
-      </p:nvGrpSpPr>
-      <p:grpSpPr>
-        <a:xfrm>
-          <a:off x="0" y="0"/>
-          <a:ext cx="0" cy="0"/>
-          <a:chOff x="0" y="0"/>
-          <a:chExt cx="0" cy="0"/>
-        </a:xfrm>
-      </p:grpSpPr>
-      <p:pic>
-        <p:nvPicPr>
-          <p:cNvPr id="1026" name="Picture 2" descr="https://t1.daumcdn.net/cfile/tistory/99087C405C18E3CD28"/>
-          <p:cNvPicPr>
-            <a:picLocks noChangeAspect="1" noChangeArrowheads="1"/>
-          </p:cNvPicPr>
-          <p:nvPr/>
-        </p:nvPicPr>
-        <p:blipFill>
-          <a:blip r:embed="rId2">
-            <a:extLst>
-              <a:ext uri="{28A0092B-C50C-407E-A947-70E740481C1C}">
-                <a14:useLocalDpi xmlns:a14="http://schemas.microsoft.com/office/drawing/2010/main" val="0"/>
-              </a:ext>
-            </a:extLst>
-          </a:blip>
-          <a:srcRect/>
-          <a:stretch>
-            <a:fillRect/>
-          </a:stretch>
-        </p:blipFill>
-        <p:spPr bwMode="auto">
-          <a:xfrm>
-            <a:off x="681290" y="1354291"/>
-            <a:ext cx="7781421" cy="4450973"/>
-          </a:xfrm>
-          <a:prstGeom prst="rect">
-            <a:avLst/>
-          </a:prstGeom>
-          <a:noFill/>
-          <a:extLst>
-            <a:ext uri="{909E8E84-426E-40DD-AFC4-6F175D3DCCD1}">
-              <a14:hiddenFill xmlns:a14="http://schemas.microsoft.com/office/drawing/2010/main">
-                <a:solidFill>
-                  <a:srgbClr val="FFFFFF"/>
-                </a:solidFill>
-              </a14:hiddenFill>
-            </a:ext>
-          </a:extLst>
-        </p:spPr>
-      </p:pic>
-      <p:sp>
-        <p:nvSpPr>
-          <p:cNvPr id="4" name="TextBox 3"/>
-          <p:cNvSpPr txBox="1"/>
-          <p:nvPr/>
-        </p:nvSpPr>
-        <p:spPr>
-          <a:xfrm>
-            <a:off x="1187624" y="663079"/>
-            <a:ext cx="6768752" cy="461665"/>
-          </a:xfrm>
-          <a:prstGeom prst="rect">
-            <a:avLst/>
-          </a:prstGeom>
-          <a:noFill/>
-        </p:spPr>
-        <p:txBody>
-          <a:bodyPr wrap="square" rtlCol="0">
-            <a:spAutoFit/>
-          </a:bodyPr>
-          <a:lstStyle/>
-          <a:p>
-            <a:pPr algn="ctr"/>
-            <a:r>
-              <a:rPr lang="en-US" altLang="ko-KR" sz="2400" b="1" dirty="0" smtClean="0"/>
-              <a:t>3Way </a:t>
-            </a:r>
-            <a:r>
-              <a:rPr lang="en-US" altLang="ko-KR" sz="2400" b="1" dirty="0" err="1" smtClean="0"/>
-              <a:t>HandShaking</a:t>
-            </a:r>
-            <a:endParaRPr lang="ko-KR" altLang="en-US" sz="2400" b="1" dirty="0"/>
-          </a:p>
-        </p:txBody>
-      </p:sp>
-    </p:spTree>
-    <p:extLst>
-      <p:ext uri="{BB962C8B-B14F-4D97-AF65-F5344CB8AC3E}">
-        <p14:creationId xmlns:p14="http://schemas.microsoft.com/office/powerpoint/2010/main" val="1995317383"/>
-      </p:ext>
-    </p:extLst>
-  </p:cSld>
-  <p:clrMapOvr>
-    <a:masterClrMapping/>
-  </p:clrMapOvr>
-</p:sld>
-</file>
-
-<file path=ppt/slides/slide13.xml><?xml version="1.0" encoding="utf-8"?>
+<file path=ppt/slides/slide11.xml><?xml version="1.0" encoding="utf-8"?>
 <p:sld xmlns:a="http://schemas.openxmlformats.org/drawingml/2006/main" xmlns:r="http://schemas.openxmlformats.org/officeDocument/2006/relationships" xmlns:p="http://schemas.openxmlformats.org/presentationml/2006/main">
   <p:cSld>
     <p:spTree>
@@ -5349,7 +4830,7 @@
 </p:sld>
 </file>
 
-<file path=ppt/slides/slide14.xml><?xml version="1.0" encoding="utf-8"?>
+<file path=ppt/slides/slide12.xml><?xml version="1.0" encoding="utf-8"?>
 <p:sld xmlns:a="http://schemas.openxmlformats.org/drawingml/2006/main" xmlns:r="http://schemas.openxmlformats.org/officeDocument/2006/relationships" xmlns:p="http://schemas.openxmlformats.org/presentationml/2006/main">
   <p:cSld>
     <p:spTree>
